--- a/DOC/ProjectReport_SpaceSomethingOrOther.pptx
+++ b/DOC/ProjectReport_SpaceSomethingOrOther.pptx
@@ -3778,8 +3778,8 @@
         </p:nvSpPr>
         <p:spPr>
           <a:xfrm>
-            <a:off x="914400" y="1752600"/>
-            <a:ext cx="7903845" cy="4351338"/>
+            <a:off x="914401" y="1752600"/>
+            <a:ext cx="5486400" cy="4351338"/>
           </a:xfrm>
           <a:prstGeom prst="rect">
             <a:avLst/>
@@ -3899,8 +3899,55 @@
             </a:pPr>
             <a:r>
               <a:rPr lang="en-US" sz="2400" dirty="0"/>
-              <a:t>?</a:t>
-            </a:r>
+              <a:t>4 layers</a:t>
+            </a:r>
+          </a:p>
+          <a:p>
+            <a:pPr marL="1200150" lvl="2" indent="-285750">
+              <a:buFont typeface="Arial" panose="020B0604020202020204" pitchFamily="34" charset="0"/>
+              <a:buChar char="•"/>
+            </a:pPr>
+            <a:r>
+              <a:rPr lang="en-US" sz="1600" b="0" i="0" dirty="0">
+                <a:solidFill>
+                  <a:srgbClr val="202124"/>
+                </a:solidFill>
+                <a:effectLst/>
+                <a:highlight>
+                  <a:srgbClr val="FFFFFF"/>
+                </a:highlight>
+              </a:rPr>
+              <a:t>Gaussian error linear unit (GELU) activation function used for first 3 layers</a:t>
+            </a:r>
+          </a:p>
+          <a:p>
+            <a:pPr marL="1200150" lvl="2" indent="-285750">
+              <a:buFont typeface="Arial" panose="020B0604020202020204" pitchFamily="34" charset="0"/>
+              <a:buChar char="•"/>
+            </a:pPr>
+            <a:r>
+              <a:rPr lang="en-US" sz="1600" dirty="0" err="1">
+                <a:solidFill>
+                  <a:srgbClr val="202124"/>
+                </a:solidFill>
+                <a:highlight>
+                  <a:srgbClr val="FFFFFF"/>
+                </a:highlight>
+              </a:rPr>
+              <a:t>Softmax</a:t>
+            </a:r>
+            <a:r>
+              <a:rPr lang="en-US" sz="1600">
+                <a:solidFill>
+                  <a:srgbClr val="202124"/>
+                </a:solidFill>
+                <a:highlight>
+                  <a:srgbClr val="FFFFFF"/>
+                </a:highlight>
+              </a:rPr>
+              <a:t> function</a:t>
+            </a:r>
+            <a:endParaRPr lang="en-US" sz="1600" dirty="0"/>
           </a:p>
           <a:p>
             <a:pPr marL="742950" lvl="1" indent="-285750">
@@ -3918,6 +3965,66 @@
           </a:p>
         </p:txBody>
       </p:sp>
+      <p:pic>
+        <p:nvPicPr>
+          <p:cNvPr id="4" name="Picture 3">
+            <a:extLst>
+              <a:ext uri="{FF2B5EF4-FFF2-40B4-BE49-F238E27FC236}">
+                <a16:creationId xmlns:a16="http://schemas.microsoft.com/office/drawing/2014/main" id="{4CFD2EA5-59B1-ABD4-4D8C-E46464061C46}"/>
+              </a:ext>
+            </a:extLst>
+          </p:cNvPr>
+          <p:cNvPicPr>
+            <a:picLocks noChangeAspect="1"/>
+          </p:cNvPicPr>
+          <p:nvPr/>
+        </p:nvPicPr>
+        <p:blipFill>
+          <a:blip r:embed="rId2"/>
+          <a:stretch>
+            <a:fillRect/>
+          </a:stretch>
+        </p:blipFill>
+        <p:spPr>
+          <a:xfrm>
+            <a:off x="7620000" y="2926152"/>
+            <a:ext cx="3238781" cy="2004234"/>
+          </a:xfrm>
+          <a:prstGeom prst="rect">
+            <a:avLst/>
+          </a:prstGeom>
+        </p:spPr>
+      </p:pic>
+      <p:pic>
+        <p:nvPicPr>
+          <p:cNvPr id="7" name="Picture 6">
+            <a:extLst>
+              <a:ext uri="{FF2B5EF4-FFF2-40B4-BE49-F238E27FC236}">
+                <a16:creationId xmlns:a16="http://schemas.microsoft.com/office/drawing/2014/main" id="{3DAAC107-F8F6-383C-A612-DB1D3EBA29BF}"/>
+              </a:ext>
+            </a:extLst>
+          </p:cNvPr>
+          <p:cNvPicPr>
+            <a:picLocks noChangeAspect="1"/>
+          </p:cNvPicPr>
+          <p:nvPr/>
+        </p:nvPicPr>
+        <p:blipFill>
+          <a:blip r:embed="rId3"/>
+          <a:stretch>
+            <a:fillRect/>
+          </a:stretch>
+        </p:blipFill>
+        <p:spPr>
+          <a:xfrm>
+            <a:off x="7513310" y="2514600"/>
+            <a:ext cx="3452159" cy="167655"/>
+          </a:xfrm>
+          <a:prstGeom prst="rect">
+            <a:avLst/>
+          </a:prstGeom>
+        </p:spPr>
+      </p:pic>
     </p:spTree>
     <p:extLst>
       <p:ext uri="{BB962C8B-B14F-4D97-AF65-F5344CB8AC3E}">
@@ -4039,8 +4146,8 @@
         </p:blipFill>
         <p:spPr>
           <a:xfrm>
-            <a:off x="1219200" y="595690"/>
-            <a:ext cx="8763000" cy="6262310"/>
+            <a:off x="1219200" y="671890"/>
+            <a:ext cx="10515600" cy="6262310"/>
           </a:xfrm>
           <a:prstGeom prst="rect">
             <a:avLst/>
@@ -4168,7 +4275,7 @@
         </p:blipFill>
         <p:spPr>
           <a:xfrm>
-            <a:off x="1295400" y="642226"/>
+            <a:off x="1295400" y="609600"/>
             <a:ext cx="8839200" cy="6179618"/>
           </a:xfrm>
           <a:prstGeom prst="rect">
